--- a/apresentacoes/Aula4/Etapa3/Etapa3.pptx
+++ b/apresentacoes/Aula4/Etapa3/Etapa3.pptx
@@ -20760,8 +20760,29 @@
                 <a:cs typeface="Century Gothic"/>
                 <a:sym typeface="Century Gothic"/>
               </a:rPr>
-              <a:t>Aula 4| Etapa 3: </a:t>
+              <a:t>Aula 4| </a:t>
             </a:r>
+            <a:r>
+              <a:rPr lang="en-US" sz="2800" b="1" i="0" u="none" strike="noStrike" cap="none">
+                <a:solidFill>
+                  <a:schemeClr val="lt1"/>
+                </a:solidFill>
+                <a:latin typeface="Century Gothic"/>
+                <a:ea typeface="Century Gothic"/>
+                <a:cs typeface="Century Gothic"/>
+                <a:sym typeface="Century Gothic"/>
+              </a:rPr>
+              <a:t>Etapa 3: </a:t>
+            </a:r>
+            <a:endParaRPr lang="en-US" sz="2800" b="1" i="0" u="none" strike="noStrike" cap="none" dirty="0">
+              <a:solidFill>
+                <a:schemeClr val="lt1"/>
+              </a:solidFill>
+              <a:latin typeface="Century Gothic"/>
+              <a:ea typeface="Century Gothic"/>
+              <a:cs typeface="Century Gothic"/>
+              <a:sym typeface="Century Gothic"/>
+            </a:endParaRPr>
           </a:p>
           <a:p>
             <a:pPr lvl="0">
@@ -20844,7 +20865,7 @@
         <p:spPr>
           <a:xfrm>
             <a:off x="465750" y="2635494"/>
-            <a:ext cx="8098387" cy="1134083"/>
+            <a:ext cx="7923965" cy="1134083"/>
           </a:xfrm>
           <a:prstGeom prst="rect">
             <a:avLst/>
@@ -20876,29 +20897,8 @@
                 <a:cs typeface="Century Gothic"/>
                 <a:sym typeface="Century Gothic"/>
               </a:rPr>
-              <a:t>Utilização da Classe </a:t>
+              <a:t>Implementação da Classe No()</a:t>
             </a:r>
-            <a:r>
-              <a:rPr lang="pt-BR" sz="3600" dirty="0" err="1">
-                <a:solidFill>
-                  <a:srgbClr val="F78321"/>
-                </a:solidFill>
-                <a:latin typeface="Century Gothic"/>
-                <a:ea typeface="Century Gothic"/>
-                <a:cs typeface="Century Gothic"/>
-                <a:sym typeface="Century Gothic"/>
-              </a:rPr>
-              <a:t>ListaEncadeada</a:t>
-            </a:r>
-            <a:endParaRPr lang="pt-BR" sz="3600" dirty="0">
-              <a:solidFill>
-                <a:srgbClr val="F78321"/>
-              </a:solidFill>
-              <a:latin typeface="Century Gothic"/>
-              <a:ea typeface="Century Gothic"/>
-              <a:cs typeface="Century Gothic"/>
-              <a:sym typeface="Century Gothic"/>
-            </a:endParaRPr>
           </a:p>
         </p:txBody>
       </p:sp>
@@ -22336,7 +22336,7 @@
         </p:blipFill>
         <p:spPr>
           <a:xfrm>
-            <a:off x="7196362" y="2461450"/>
+            <a:off x="7196362" y="97395"/>
             <a:ext cx="1938293" cy="2349447"/>
           </a:xfrm>
           <a:prstGeom prst="rect">
